--- a/lecture-materials/MediaServices/ElasticTranscoder/aws_elastic_transcoder.pptx
+++ b/lecture-materials/MediaServices/ElasticTranscoder/aws_elastic_transcoder.pptx
@@ -109,6 +109,11 @@
       </a:defRPr>
     </a:lvl9pPr>
   </p:defaultTextStyle>
+  <p:extLst>
+    <p:ext uri="{EFAFB233-063F-42B5-8137-9DF3F51BA10A}">
+      <p15:sldGuideLst xmlns:p15="http://schemas.microsoft.com/office/powerpoint/2012/main"/>
+    </p:ext>
+  </p:extLst>
 </p:presentation>
 </file>
 
@@ -194,7 +199,7 @@
           <a:p>
             <a:fld id="{B710C20D-0C85-4F3D-901F-565C0DF66CA1}" type="datetimeFigureOut">
               <a:rPr lang="en-US" smtClean="0"/>
-              <a:t>9/10/2023</a:t>
+              <a:t>2/19/24</a:t>
             </a:fld>
             <a:endParaRPr lang="en-US"/>
           </a:p>
@@ -258,35 +263,35 @@
           <a:p>
             <a:pPr lvl="0"/>
             <a:r>
-              <a:rPr lang="ru-RU" smtClean="0"/>
+              <a:rPr lang="ru-RU"/>
               <a:t>Образец текста</a:t>
             </a:r>
           </a:p>
           <a:p>
             <a:pPr lvl="1"/>
             <a:r>
-              <a:rPr lang="ru-RU" smtClean="0"/>
+              <a:rPr lang="ru-RU"/>
               <a:t>Второй уровень</a:t>
             </a:r>
           </a:p>
           <a:p>
             <a:pPr lvl="2"/>
             <a:r>
-              <a:rPr lang="ru-RU" smtClean="0"/>
+              <a:rPr lang="ru-RU"/>
               <a:t>Третий уровень</a:t>
             </a:r>
           </a:p>
           <a:p>
             <a:pPr lvl="3"/>
             <a:r>
-              <a:rPr lang="ru-RU" smtClean="0"/>
+              <a:rPr lang="ru-RU"/>
               <a:t>Четвертый уровень</a:t>
             </a:r>
           </a:p>
           <a:p>
             <a:pPr lvl="4"/>
             <a:r>
-              <a:rPr lang="ru-RU" smtClean="0"/>
+              <a:rPr lang="ru-RU"/>
               <a:t>Пятый уровень</a:t>
             </a:r>
             <a:endParaRPr lang="en-US"/>
@@ -756,7 +761,7 @@
           </a:lstStyle>
           <a:p>
             <a:r>
-              <a:rPr lang="ru-RU" smtClean="0"/>
+              <a:rPr lang="ru-RU"/>
               <a:t>Образец заголовка</a:t>
             </a:r>
             <a:endParaRPr lang="en-US"/>
@@ -821,7 +826,7 @@
           </a:lstStyle>
           <a:p>
             <a:r>
-              <a:rPr lang="ru-RU" smtClean="0"/>
+              <a:rPr lang="ru-RU"/>
               <a:t>Образец подзаголовка</a:t>
             </a:r>
             <a:endParaRPr lang="en-US"/>
@@ -845,7 +850,7 @@
           <a:p>
             <a:fld id="{C1756DA4-3C7C-40AD-B908-0A330D85F69F}" type="datetimeFigureOut">
               <a:rPr lang="en-US" smtClean="0"/>
-              <a:t>9/10/2023</a:t>
+              <a:t>2/19/24</a:t>
             </a:fld>
             <a:endParaRPr lang="en-US"/>
           </a:p>
@@ -939,7 +944,7 @@
           <a:lstStyle/>
           <a:p>
             <a:r>
-              <a:rPr lang="ru-RU" smtClean="0"/>
+              <a:rPr lang="ru-RU"/>
               <a:t>Образец заголовка</a:t>
             </a:r>
             <a:endParaRPr lang="en-US"/>
@@ -963,35 +968,35 @@
           <a:p>
             <a:pPr lvl="0"/>
             <a:r>
-              <a:rPr lang="ru-RU" smtClean="0"/>
+              <a:rPr lang="ru-RU"/>
               <a:t>Образец текста</a:t>
             </a:r>
           </a:p>
           <a:p>
             <a:pPr lvl="1"/>
             <a:r>
-              <a:rPr lang="ru-RU" smtClean="0"/>
+              <a:rPr lang="ru-RU"/>
               <a:t>Второй уровень</a:t>
             </a:r>
           </a:p>
           <a:p>
             <a:pPr lvl="2"/>
             <a:r>
-              <a:rPr lang="ru-RU" smtClean="0"/>
+              <a:rPr lang="ru-RU"/>
               <a:t>Третий уровень</a:t>
             </a:r>
           </a:p>
           <a:p>
             <a:pPr lvl="3"/>
             <a:r>
-              <a:rPr lang="ru-RU" smtClean="0"/>
+              <a:rPr lang="ru-RU"/>
               <a:t>Четвертый уровень</a:t>
             </a:r>
           </a:p>
           <a:p>
             <a:pPr lvl="4"/>
             <a:r>
-              <a:rPr lang="ru-RU" smtClean="0"/>
+              <a:rPr lang="ru-RU"/>
               <a:t>Пятый уровень</a:t>
             </a:r>
             <a:endParaRPr lang="en-US"/>
@@ -1015,7 +1020,7 @@
           <a:p>
             <a:fld id="{C1756DA4-3C7C-40AD-B908-0A330D85F69F}" type="datetimeFigureOut">
               <a:rPr lang="en-US" smtClean="0"/>
-              <a:t>9/10/2023</a:t>
+              <a:t>2/19/24</a:t>
             </a:fld>
             <a:endParaRPr lang="en-US"/>
           </a:p>
@@ -1114,7 +1119,7 @@
           <a:lstStyle/>
           <a:p>
             <a:r>
-              <a:rPr lang="ru-RU" smtClean="0"/>
+              <a:rPr lang="ru-RU"/>
               <a:t>Образец заголовка</a:t>
             </a:r>
             <a:endParaRPr lang="en-US"/>
@@ -1143,35 +1148,35 @@
           <a:p>
             <a:pPr lvl="0"/>
             <a:r>
-              <a:rPr lang="ru-RU" smtClean="0"/>
+              <a:rPr lang="ru-RU"/>
               <a:t>Образец текста</a:t>
             </a:r>
           </a:p>
           <a:p>
             <a:pPr lvl="1"/>
             <a:r>
-              <a:rPr lang="ru-RU" smtClean="0"/>
+              <a:rPr lang="ru-RU"/>
               <a:t>Второй уровень</a:t>
             </a:r>
           </a:p>
           <a:p>
             <a:pPr lvl="2"/>
             <a:r>
-              <a:rPr lang="ru-RU" smtClean="0"/>
+              <a:rPr lang="ru-RU"/>
               <a:t>Третий уровень</a:t>
             </a:r>
           </a:p>
           <a:p>
             <a:pPr lvl="3"/>
             <a:r>
-              <a:rPr lang="ru-RU" smtClean="0"/>
+              <a:rPr lang="ru-RU"/>
               <a:t>Четвертый уровень</a:t>
             </a:r>
           </a:p>
           <a:p>
             <a:pPr lvl="4"/>
             <a:r>
-              <a:rPr lang="ru-RU" smtClean="0"/>
+              <a:rPr lang="ru-RU"/>
               <a:t>Пятый уровень</a:t>
             </a:r>
             <a:endParaRPr lang="en-US"/>
@@ -1195,7 +1200,7 @@
           <a:p>
             <a:fld id="{C1756DA4-3C7C-40AD-B908-0A330D85F69F}" type="datetimeFigureOut">
               <a:rPr lang="en-US" smtClean="0"/>
-              <a:t>9/10/2023</a:t>
+              <a:t>2/19/24</a:t>
             </a:fld>
             <a:endParaRPr lang="en-US"/>
           </a:p>
@@ -1289,7 +1294,7 @@
           <a:lstStyle/>
           <a:p>
             <a:r>
-              <a:rPr lang="ru-RU" smtClean="0"/>
+              <a:rPr lang="ru-RU"/>
               <a:t>Образец заголовка</a:t>
             </a:r>
             <a:endParaRPr lang="en-US"/>
@@ -1313,35 +1318,35 @@
           <a:p>
             <a:pPr lvl="0"/>
             <a:r>
-              <a:rPr lang="ru-RU" smtClean="0"/>
+              <a:rPr lang="ru-RU"/>
               <a:t>Образец текста</a:t>
             </a:r>
           </a:p>
           <a:p>
             <a:pPr lvl="1"/>
             <a:r>
-              <a:rPr lang="ru-RU" smtClean="0"/>
+              <a:rPr lang="ru-RU"/>
               <a:t>Второй уровень</a:t>
             </a:r>
           </a:p>
           <a:p>
             <a:pPr lvl="2"/>
             <a:r>
-              <a:rPr lang="ru-RU" smtClean="0"/>
+              <a:rPr lang="ru-RU"/>
               <a:t>Третий уровень</a:t>
             </a:r>
           </a:p>
           <a:p>
             <a:pPr lvl="3"/>
             <a:r>
-              <a:rPr lang="ru-RU" smtClean="0"/>
+              <a:rPr lang="ru-RU"/>
               <a:t>Четвертый уровень</a:t>
             </a:r>
           </a:p>
           <a:p>
             <a:pPr lvl="4"/>
             <a:r>
-              <a:rPr lang="ru-RU" smtClean="0"/>
+              <a:rPr lang="ru-RU"/>
               <a:t>Пятый уровень</a:t>
             </a:r>
             <a:endParaRPr lang="en-US"/>
@@ -1365,7 +1370,7 @@
           <a:p>
             <a:fld id="{C1756DA4-3C7C-40AD-B908-0A330D85F69F}" type="datetimeFigureOut">
               <a:rPr lang="en-US" smtClean="0"/>
-              <a:t>9/10/2023</a:t>
+              <a:t>2/19/24</a:t>
             </a:fld>
             <a:endParaRPr lang="en-US"/>
           </a:p>
@@ -1468,7 +1473,7 @@
           </a:lstStyle>
           <a:p>
             <a:r>
-              <a:rPr lang="ru-RU" smtClean="0"/>
+              <a:rPr lang="ru-RU"/>
               <a:t>Образец заголовка</a:t>
             </a:r>
             <a:endParaRPr lang="en-US"/>
@@ -1588,7 +1593,7 @@
           <a:p>
             <a:pPr lvl="0"/>
             <a:r>
-              <a:rPr lang="ru-RU" smtClean="0"/>
+              <a:rPr lang="ru-RU"/>
               <a:t>Образец текста</a:t>
             </a:r>
           </a:p>
@@ -1611,7 +1616,7 @@
           <a:p>
             <a:fld id="{C1756DA4-3C7C-40AD-B908-0A330D85F69F}" type="datetimeFigureOut">
               <a:rPr lang="en-US" smtClean="0"/>
-              <a:t>9/10/2023</a:t>
+              <a:t>2/19/24</a:t>
             </a:fld>
             <a:endParaRPr lang="en-US"/>
           </a:p>
@@ -1705,7 +1710,7 @@
           <a:lstStyle/>
           <a:p>
             <a:r>
-              <a:rPr lang="ru-RU" smtClean="0"/>
+              <a:rPr lang="ru-RU"/>
               <a:t>Образец заголовка</a:t>
             </a:r>
             <a:endParaRPr lang="en-US"/>
@@ -1734,35 +1739,35 @@
           <a:p>
             <a:pPr lvl="0"/>
             <a:r>
-              <a:rPr lang="ru-RU" smtClean="0"/>
+              <a:rPr lang="ru-RU"/>
               <a:t>Образец текста</a:t>
             </a:r>
           </a:p>
           <a:p>
             <a:pPr lvl="1"/>
             <a:r>
-              <a:rPr lang="ru-RU" smtClean="0"/>
+              <a:rPr lang="ru-RU"/>
               <a:t>Второй уровень</a:t>
             </a:r>
           </a:p>
           <a:p>
             <a:pPr lvl="2"/>
             <a:r>
-              <a:rPr lang="ru-RU" smtClean="0"/>
+              <a:rPr lang="ru-RU"/>
               <a:t>Третий уровень</a:t>
             </a:r>
           </a:p>
           <a:p>
             <a:pPr lvl="3"/>
             <a:r>
-              <a:rPr lang="ru-RU" smtClean="0"/>
+              <a:rPr lang="ru-RU"/>
               <a:t>Четвертый уровень</a:t>
             </a:r>
           </a:p>
           <a:p>
             <a:pPr lvl="4"/>
             <a:r>
-              <a:rPr lang="ru-RU" smtClean="0"/>
+              <a:rPr lang="ru-RU"/>
               <a:t>Пятый уровень</a:t>
             </a:r>
             <a:endParaRPr lang="en-US"/>
@@ -1791,35 +1796,35 @@
           <a:p>
             <a:pPr lvl="0"/>
             <a:r>
-              <a:rPr lang="ru-RU" smtClean="0"/>
+              <a:rPr lang="ru-RU"/>
               <a:t>Образец текста</a:t>
             </a:r>
           </a:p>
           <a:p>
             <a:pPr lvl="1"/>
             <a:r>
-              <a:rPr lang="ru-RU" smtClean="0"/>
+              <a:rPr lang="ru-RU"/>
               <a:t>Второй уровень</a:t>
             </a:r>
           </a:p>
           <a:p>
             <a:pPr lvl="2"/>
             <a:r>
-              <a:rPr lang="ru-RU" smtClean="0"/>
+              <a:rPr lang="ru-RU"/>
               <a:t>Третий уровень</a:t>
             </a:r>
           </a:p>
           <a:p>
             <a:pPr lvl="3"/>
             <a:r>
-              <a:rPr lang="ru-RU" smtClean="0"/>
+              <a:rPr lang="ru-RU"/>
               <a:t>Четвертый уровень</a:t>
             </a:r>
           </a:p>
           <a:p>
             <a:pPr lvl="4"/>
             <a:r>
-              <a:rPr lang="ru-RU" smtClean="0"/>
+              <a:rPr lang="ru-RU"/>
               <a:t>Пятый уровень</a:t>
             </a:r>
             <a:endParaRPr lang="en-US"/>
@@ -1843,7 +1848,7 @@
           <a:p>
             <a:fld id="{C1756DA4-3C7C-40AD-B908-0A330D85F69F}" type="datetimeFigureOut">
               <a:rPr lang="en-US" smtClean="0"/>
-              <a:t>9/10/2023</a:t>
+              <a:t>2/19/24</a:t>
             </a:fld>
             <a:endParaRPr lang="en-US"/>
           </a:p>
@@ -1942,7 +1947,7 @@
           <a:lstStyle/>
           <a:p>
             <a:r>
-              <a:rPr lang="ru-RU" smtClean="0"/>
+              <a:rPr lang="ru-RU"/>
               <a:t>Образец заголовка</a:t>
             </a:r>
             <a:endParaRPr lang="en-US"/>
@@ -2008,7 +2013,7 @@
           <a:p>
             <a:pPr lvl="0"/>
             <a:r>
-              <a:rPr lang="ru-RU" smtClean="0"/>
+              <a:rPr lang="ru-RU"/>
               <a:t>Образец текста</a:t>
             </a:r>
           </a:p>
@@ -2036,35 +2041,35 @@
           <a:p>
             <a:pPr lvl="0"/>
             <a:r>
-              <a:rPr lang="ru-RU" smtClean="0"/>
+              <a:rPr lang="ru-RU"/>
               <a:t>Образец текста</a:t>
             </a:r>
           </a:p>
           <a:p>
             <a:pPr lvl="1"/>
             <a:r>
-              <a:rPr lang="ru-RU" smtClean="0"/>
+              <a:rPr lang="ru-RU"/>
               <a:t>Второй уровень</a:t>
             </a:r>
           </a:p>
           <a:p>
             <a:pPr lvl="2"/>
             <a:r>
-              <a:rPr lang="ru-RU" smtClean="0"/>
+              <a:rPr lang="ru-RU"/>
               <a:t>Третий уровень</a:t>
             </a:r>
           </a:p>
           <a:p>
             <a:pPr lvl="3"/>
             <a:r>
-              <a:rPr lang="ru-RU" smtClean="0"/>
+              <a:rPr lang="ru-RU"/>
               <a:t>Четвертый уровень</a:t>
             </a:r>
           </a:p>
           <a:p>
             <a:pPr lvl="4"/>
             <a:r>
-              <a:rPr lang="ru-RU" smtClean="0"/>
+              <a:rPr lang="ru-RU"/>
               <a:t>Пятый уровень</a:t>
             </a:r>
             <a:endParaRPr lang="en-US"/>
@@ -2130,7 +2135,7 @@
           <a:p>
             <a:pPr lvl="0"/>
             <a:r>
-              <a:rPr lang="ru-RU" smtClean="0"/>
+              <a:rPr lang="ru-RU"/>
               <a:t>Образец текста</a:t>
             </a:r>
           </a:p>
@@ -2158,35 +2163,35 @@
           <a:p>
             <a:pPr lvl="0"/>
             <a:r>
-              <a:rPr lang="ru-RU" smtClean="0"/>
+              <a:rPr lang="ru-RU"/>
               <a:t>Образец текста</a:t>
             </a:r>
           </a:p>
           <a:p>
             <a:pPr lvl="1"/>
             <a:r>
-              <a:rPr lang="ru-RU" smtClean="0"/>
+              <a:rPr lang="ru-RU"/>
               <a:t>Второй уровень</a:t>
             </a:r>
           </a:p>
           <a:p>
             <a:pPr lvl="2"/>
             <a:r>
-              <a:rPr lang="ru-RU" smtClean="0"/>
+              <a:rPr lang="ru-RU"/>
               <a:t>Третий уровень</a:t>
             </a:r>
           </a:p>
           <a:p>
             <a:pPr lvl="3"/>
             <a:r>
-              <a:rPr lang="ru-RU" smtClean="0"/>
+              <a:rPr lang="ru-RU"/>
               <a:t>Четвертый уровень</a:t>
             </a:r>
           </a:p>
           <a:p>
             <a:pPr lvl="4"/>
             <a:r>
-              <a:rPr lang="ru-RU" smtClean="0"/>
+              <a:rPr lang="ru-RU"/>
               <a:t>Пятый уровень</a:t>
             </a:r>
             <a:endParaRPr lang="en-US"/>
@@ -2210,7 +2215,7 @@
           <a:p>
             <a:fld id="{C1756DA4-3C7C-40AD-B908-0A330D85F69F}" type="datetimeFigureOut">
               <a:rPr lang="en-US" smtClean="0"/>
-              <a:t>9/10/2023</a:t>
+              <a:t>2/19/24</a:t>
             </a:fld>
             <a:endParaRPr lang="en-US"/>
           </a:p>
@@ -2304,7 +2309,7 @@
           <a:lstStyle/>
           <a:p>
             <a:r>
-              <a:rPr lang="ru-RU" smtClean="0"/>
+              <a:rPr lang="ru-RU"/>
               <a:t>Образец заголовка</a:t>
             </a:r>
             <a:endParaRPr lang="en-US"/>
@@ -2328,7 +2333,7 @@
           <a:p>
             <a:fld id="{C1756DA4-3C7C-40AD-B908-0A330D85F69F}" type="datetimeFigureOut">
               <a:rPr lang="en-US" smtClean="0"/>
-              <a:t>9/10/2023</a:t>
+              <a:t>2/19/24</a:t>
             </a:fld>
             <a:endParaRPr lang="en-US"/>
           </a:p>
@@ -2423,7 +2428,7 @@
           <a:p>
             <a:fld id="{C1756DA4-3C7C-40AD-B908-0A330D85F69F}" type="datetimeFigureOut">
               <a:rPr lang="en-US" smtClean="0"/>
-              <a:t>9/10/2023</a:t>
+              <a:t>2/19/24</a:t>
             </a:fld>
             <a:endParaRPr lang="en-US"/>
           </a:p>
@@ -2526,7 +2531,7 @@
           </a:lstStyle>
           <a:p>
             <a:r>
-              <a:rPr lang="ru-RU" smtClean="0"/>
+              <a:rPr lang="ru-RU"/>
               <a:t>Образец заголовка</a:t>
             </a:r>
             <a:endParaRPr lang="en-US"/>
@@ -2583,35 +2588,35 @@
           <a:p>
             <a:pPr lvl="0"/>
             <a:r>
-              <a:rPr lang="ru-RU" smtClean="0"/>
+              <a:rPr lang="ru-RU"/>
               <a:t>Образец текста</a:t>
             </a:r>
           </a:p>
           <a:p>
             <a:pPr lvl="1"/>
             <a:r>
-              <a:rPr lang="ru-RU" smtClean="0"/>
+              <a:rPr lang="ru-RU"/>
               <a:t>Второй уровень</a:t>
             </a:r>
           </a:p>
           <a:p>
             <a:pPr lvl="2"/>
             <a:r>
-              <a:rPr lang="ru-RU" smtClean="0"/>
+              <a:rPr lang="ru-RU"/>
               <a:t>Третий уровень</a:t>
             </a:r>
           </a:p>
           <a:p>
             <a:pPr lvl="3"/>
             <a:r>
-              <a:rPr lang="ru-RU" smtClean="0"/>
+              <a:rPr lang="ru-RU"/>
               <a:t>Четвертый уровень</a:t>
             </a:r>
           </a:p>
           <a:p>
             <a:pPr lvl="4"/>
             <a:r>
-              <a:rPr lang="ru-RU" smtClean="0"/>
+              <a:rPr lang="ru-RU"/>
               <a:t>Пятый уровень</a:t>
             </a:r>
             <a:endParaRPr lang="en-US"/>
@@ -2677,7 +2682,7 @@
           <a:p>
             <a:pPr lvl="0"/>
             <a:r>
-              <a:rPr lang="ru-RU" smtClean="0"/>
+              <a:rPr lang="ru-RU"/>
               <a:t>Образец текста</a:t>
             </a:r>
           </a:p>
@@ -2700,7 +2705,7 @@
           <a:p>
             <a:fld id="{C1756DA4-3C7C-40AD-B908-0A330D85F69F}" type="datetimeFigureOut">
               <a:rPr lang="en-US" smtClean="0"/>
-              <a:t>9/10/2023</a:t>
+              <a:t>2/19/24</a:t>
             </a:fld>
             <a:endParaRPr lang="en-US"/>
           </a:p>
@@ -2803,7 +2808,7 @@
           </a:lstStyle>
           <a:p>
             <a:r>
-              <a:rPr lang="ru-RU" smtClean="0"/>
+              <a:rPr lang="ru-RU"/>
               <a:t>Образец заголовка</a:t>
             </a:r>
             <a:endParaRPr lang="en-US"/>
@@ -2930,7 +2935,7 @@
           <a:p>
             <a:pPr lvl="0"/>
             <a:r>
-              <a:rPr lang="ru-RU" smtClean="0"/>
+              <a:rPr lang="ru-RU"/>
               <a:t>Образец текста</a:t>
             </a:r>
           </a:p>
@@ -2953,7 +2958,7 @@
           <a:p>
             <a:fld id="{C1756DA4-3C7C-40AD-B908-0A330D85F69F}" type="datetimeFigureOut">
               <a:rPr lang="en-US" smtClean="0"/>
-              <a:t>9/10/2023</a:t>
+              <a:t>2/19/24</a:t>
             </a:fld>
             <a:endParaRPr lang="en-US"/>
           </a:p>
@@ -3062,7 +3067,7 @@
           <a:lstStyle/>
           <a:p>
             <a:r>
-              <a:rPr lang="ru-RU" smtClean="0"/>
+              <a:rPr lang="ru-RU"/>
               <a:t>Образец заголовка</a:t>
             </a:r>
             <a:endParaRPr lang="en-US"/>
@@ -3096,35 +3101,35 @@
           <a:p>
             <a:pPr lvl="0"/>
             <a:r>
-              <a:rPr lang="ru-RU" smtClean="0"/>
+              <a:rPr lang="ru-RU"/>
               <a:t>Образец текста</a:t>
             </a:r>
           </a:p>
           <a:p>
             <a:pPr lvl="1"/>
             <a:r>
-              <a:rPr lang="ru-RU" smtClean="0"/>
+              <a:rPr lang="ru-RU"/>
               <a:t>Второй уровень</a:t>
             </a:r>
           </a:p>
           <a:p>
             <a:pPr lvl="2"/>
             <a:r>
-              <a:rPr lang="ru-RU" smtClean="0"/>
+              <a:rPr lang="ru-RU"/>
               <a:t>Третий уровень</a:t>
             </a:r>
           </a:p>
           <a:p>
             <a:pPr lvl="3"/>
             <a:r>
-              <a:rPr lang="ru-RU" smtClean="0"/>
+              <a:rPr lang="ru-RU"/>
               <a:t>Четвертый уровень</a:t>
             </a:r>
           </a:p>
           <a:p>
             <a:pPr lvl="4"/>
             <a:r>
-              <a:rPr lang="ru-RU" smtClean="0"/>
+              <a:rPr lang="ru-RU"/>
               <a:t>Пятый уровень</a:t>
             </a:r>
             <a:endParaRPr lang="en-US"/>
@@ -3166,7 +3171,7 @@
           <a:p>
             <a:fld id="{C1756DA4-3C7C-40AD-B908-0A330D85F69F}" type="datetimeFigureOut">
               <a:rPr lang="en-US" smtClean="0"/>
-              <a:t>9/10/2023</a:t>
+              <a:t>2/19/24</a:t>
             </a:fld>
             <a:endParaRPr lang="en-US"/>
           </a:p>
@@ -3557,6 +3562,14 @@
 <file path=ppt/slides/slide1.xml><?xml version="1.0" encoding="utf-8"?>
 <p:sld xmlns:a="http://schemas.openxmlformats.org/drawingml/2006/main" xmlns:r="http://schemas.openxmlformats.org/officeDocument/2006/relationships" xmlns:p="http://schemas.openxmlformats.org/presentationml/2006/main">
   <p:cSld>
+    <p:bg>
+      <p:bgPr>
+        <a:solidFill>
+          <a:schemeClr val="bg1"/>
+        </a:solidFill>
+        <a:effectLst/>
+      </p:bgPr>
+    </p:bg>
     <p:spTree>
       <p:nvGrpSpPr>
         <p:cNvPr id="1" name=""/>
@@ -3571,6 +3584,66 @@
           <a:chExt cx="0" cy="0"/>
         </a:xfrm>
       </p:grpSpPr>
+      <p:sp useBgFill="1">
+        <p:nvSpPr>
+          <p:cNvPr id="9" name="Rectangle 8">
+            <a:extLst>
+              <a:ext uri="{FF2B5EF4-FFF2-40B4-BE49-F238E27FC236}">
+                <a16:creationId xmlns:a16="http://schemas.microsoft.com/office/drawing/2014/main" id="{743AA782-23D1-4521-8CAD-47662984AA08}"/>
+              </a:ext>
+              <a:ext uri="{C183D7F6-B498-43B3-948B-1728B52AA6E4}">
+                <adec:decorative xmlns:adec="http://schemas.microsoft.com/office/drawing/2017/decorative" val="1"/>
+              </a:ext>
+            </a:extLst>
+          </p:cNvPr>
+          <p:cNvSpPr>
+            <a:spLocks noGrp="1" noRot="1" noChangeAspect="1" noMove="1" noResize="1" noEditPoints="1" noAdjustHandles="1" noChangeArrowheads="1" noChangeShapeType="1" noTextEdit="1"/>
+          </p:cNvSpPr>
+          <p:nvPr>
+            <p:extLst>
+              <p:ext uri="{386F3935-93C4-4BCD-93E2-E3B085C9AB24}">
+                <p16:designElem xmlns:p16="http://schemas.microsoft.com/office/powerpoint/2015/main" val="1"/>
+              </p:ext>
+            </p:extLst>
+          </p:nvPr>
+        </p:nvSpPr>
+        <p:spPr>
+          <a:xfrm>
+            <a:off x="0" y="0"/>
+            <a:ext cx="12192000" cy="6858000"/>
+          </a:xfrm>
+          <a:prstGeom prst="rect">
+            <a:avLst/>
+          </a:prstGeom>
+          <a:ln>
+            <a:noFill/>
+          </a:ln>
+        </p:spPr>
+        <p:style>
+          <a:lnRef idx="2">
+            <a:schemeClr val="accent1">
+              <a:shade val="50000"/>
+            </a:schemeClr>
+          </a:lnRef>
+          <a:fillRef idx="1">
+            <a:schemeClr val="accent1"/>
+          </a:fillRef>
+          <a:effectRef idx="0">
+            <a:schemeClr val="accent1"/>
+          </a:effectRef>
+          <a:fontRef idx="minor">
+            <a:schemeClr val="lt1"/>
+          </a:fontRef>
+        </p:style>
+        <p:txBody>
+          <a:bodyPr rtlCol="0" anchor="ctr"/>
+          <a:lstStyle/>
+          <a:p>
+            <a:pPr algn="ctr"/>
+            <a:endParaRPr lang="en-US"/>
+          </a:p>
+        </p:txBody>
+      </p:sp>
       <p:sp>
         <p:nvSpPr>
           <p:cNvPr id="2" name="Заголовок 1"/>
@@ -3581,73 +3654,350 @@
             <p:ph type="title"/>
           </p:nvPr>
         </p:nvSpPr>
-        <p:spPr/>
-        <p:txBody>
-          <a:bodyPr>
+        <p:spPr>
+          <a:xfrm>
+            <a:off x="630936" y="640080"/>
+            <a:ext cx="4818888" cy="1481328"/>
+          </a:xfrm>
+        </p:spPr>
+        <p:txBody>
+          <a:bodyPr vert="horz" lIns="91440" tIns="45720" rIns="91440" bIns="45720" rtlCol="0" anchor="b">
             <a:normAutofit/>
           </a:bodyPr>
           <a:lstStyle/>
           <a:p>
             <a:r>
-              <a:rPr lang="en-US" sz="3200" dirty="0" smtClean="0"/>
+              <a:rPr lang="en-US" sz="5000" kern="1200">
+                <a:solidFill>
+                  <a:schemeClr val="tx1"/>
+                </a:solidFill>
+                <a:latin typeface="+mj-lt"/>
+                <a:ea typeface="+mj-ea"/>
+                <a:cs typeface="+mj-cs"/>
+              </a:rPr>
               <a:t>Amazon Elastic Transcoder</a:t>
             </a:r>
-            <a:endParaRPr lang="en-US" sz="3200" dirty="0"/>
-          </a:p>
-        </p:txBody>
-      </p:sp>
-      <p:sp>
-        <p:nvSpPr>
-          <p:cNvPr id="3" name="Объект 2"/>
-          <p:cNvSpPr>
-            <a:spLocks noGrp="1"/>
-          </p:cNvSpPr>
-          <p:nvPr>
-            <p:ph sz="half" idx="1"/>
+          </a:p>
+        </p:txBody>
+      </p:sp>
+      <p:sp>
+        <p:nvSpPr>
+          <p:cNvPr id="11" name="sketch line">
+            <a:extLst>
+              <a:ext uri="{FF2B5EF4-FFF2-40B4-BE49-F238E27FC236}">
+                <a16:creationId xmlns:a16="http://schemas.microsoft.com/office/drawing/2014/main" id="{71877DBC-BB60-40F0-AC93-2ACDBAAE60CE}"/>
+              </a:ext>
+              <a:ext uri="{C183D7F6-B498-43B3-948B-1728B52AA6E4}">
+                <adec:decorative xmlns:adec="http://schemas.microsoft.com/office/drawing/2017/decorative" val="1"/>
+              </a:ext>
+            </a:extLst>
+          </p:cNvPr>
+          <p:cNvSpPr>
+            <a:spLocks noGrp="1" noRot="1" noChangeAspect="1" noMove="1" noResize="1" noEditPoints="1" noAdjustHandles="1" noChangeArrowheads="1" noChangeShapeType="1" noTextEdit="1"/>
+          </p:cNvSpPr>
+          <p:nvPr>
+            <p:extLst>
+              <p:ext uri="{386F3935-93C4-4BCD-93E2-E3B085C9AB24}">
+                <p16:designElem xmlns:p16="http://schemas.microsoft.com/office/powerpoint/2015/main" val="1"/>
+              </p:ext>
+            </p:extLst>
           </p:nvPr>
         </p:nvSpPr>
         <p:spPr>
           <a:xfrm>
-            <a:off x="838200" y="1825625"/>
-            <a:ext cx="5827776" cy="4351338"/>
+            <a:off x="643278" y="2372868"/>
+            <a:ext cx="3255095" cy="18288"/>
+          </a:xfrm>
+          <a:custGeom>
+            <a:avLst/>
+            <a:gdLst>
+              <a:gd name="connsiteX0" fmla="*/ 0 w 3255095"/>
+              <a:gd name="connsiteY0" fmla="*/ 0 h 18288"/>
+              <a:gd name="connsiteX1" fmla="*/ 618468 w 3255095"/>
+              <a:gd name="connsiteY1" fmla="*/ 0 h 18288"/>
+              <a:gd name="connsiteX2" fmla="*/ 1269487 w 3255095"/>
+              <a:gd name="connsiteY2" fmla="*/ 0 h 18288"/>
+              <a:gd name="connsiteX3" fmla="*/ 1953057 w 3255095"/>
+              <a:gd name="connsiteY3" fmla="*/ 0 h 18288"/>
+              <a:gd name="connsiteX4" fmla="*/ 2636627 w 3255095"/>
+              <a:gd name="connsiteY4" fmla="*/ 0 h 18288"/>
+              <a:gd name="connsiteX5" fmla="*/ 3255095 w 3255095"/>
+              <a:gd name="connsiteY5" fmla="*/ 0 h 18288"/>
+              <a:gd name="connsiteX6" fmla="*/ 3255095 w 3255095"/>
+              <a:gd name="connsiteY6" fmla="*/ 18288 h 18288"/>
+              <a:gd name="connsiteX7" fmla="*/ 2538974 w 3255095"/>
+              <a:gd name="connsiteY7" fmla="*/ 18288 h 18288"/>
+              <a:gd name="connsiteX8" fmla="*/ 1822853 w 3255095"/>
+              <a:gd name="connsiteY8" fmla="*/ 18288 h 18288"/>
+              <a:gd name="connsiteX9" fmla="*/ 1171834 w 3255095"/>
+              <a:gd name="connsiteY9" fmla="*/ 18288 h 18288"/>
+              <a:gd name="connsiteX10" fmla="*/ 0 w 3255095"/>
+              <a:gd name="connsiteY10" fmla="*/ 18288 h 18288"/>
+              <a:gd name="connsiteX11" fmla="*/ 0 w 3255095"/>
+              <a:gd name="connsiteY11" fmla="*/ 0 h 18288"/>
+            </a:gdLst>
+            <a:ahLst/>
+            <a:cxnLst>
+              <a:cxn ang="0">
+                <a:pos x="connsiteX0" y="connsiteY0"/>
+              </a:cxn>
+              <a:cxn ang="0">
+                <a:pos x="connsiteX1" y="connsiteY1"/>
+              </a:cxn>
+              <a:cxn ang="0">
+                <a:pos x="connsiteX2" y="connsiteY2"/>
+              </a:cxn>
+              <a:cxn ang="0">
+                <a:pos x="connsiteX3" y="connsiteY3"/>
+              </a:cxn>
+              <a:cxn ang="0">
+                <a:pos x="connsiteX4" y="connsiteY4"/>
+              </a:cxn>
+              <a:cxn ang="0">
+                <a:pos x="connsiteX5" y="connsiteY5"/>
+              </a:cxn>
+              <a:cxn ang="0">
+                <a:pos x="connsiteX6" y="connsiteY6"/>
+              </a:cxn>
+              <a:cxn ang="0">
+                <a:pos x="connsiteX7" y="connsiteY7"/>
+              </a:cxn>
+              <a:cxn ang="0">
+                <a:pos x="connsiteX8" y="connsiteY8"/>
+              </a:cxn>
+              <a:cxn ang="0">
+                <a:pos x="connsiteX9" y="connsiteY9"/>
+              </a:cxn>
+              <a:cxn ang="0">
+                <a:pos x="connsiteX10" y="connsiteY10"/>
+              </a:cxn>
+              <a:cxn ang="0">
+                <a:pos x="connsiteX11" y="connsiteY11"/>
+              </a:cxn>
+            </a:cxnLst>
+            <a:rect l="l" t="t" r="r" b="b"/>
+            <a:pathLst>
+              <a:path w="3255095" h="18288" fill="none" extrusionOk="0">
+                <a:moveTo>
+                  <a:pt x="0" y="0"/>
+                </a:moveTo>
+                <a:cubicBezTo>
+                  <a:pt x="240201" y="-22123"/>
+                  <a:pt x="462021" y="-19623"/>
+                  <a:pt x="618468" y="0"/>
+                </a:cubicBezTo>
+                <a:cubicBezTo>
+                  <a:pt x="774915" y="19623"/>
+                  <a:pt x="974734" y="2035"/>
+                  <a:pt x="1269487" y="0"/>
+                </a:cubicBezTo>
+                <a:cubicBezTo>
+                  <a:pt x="1564240" y="-2035"/>
+                  <a:pt x="1733579" y="10639"/>
+                  <a:pt x="1953057" y="0"/>
+                </a:cubicBezTo>
+                <a:cubicBezTo>
+                  <a:pt x="2172535" y="-10639"/>
+                  <a:pt x="2453962" y="14018"/>
+                  <a:pt x="2636627" y="0"/>
+                </a:cubicBezTo>
+                <a:cubicBezTo>
+                  <a:pt x="2819292" y="-14018"/>
+                  <a:pt x="3121375" y="5399"/>
+                  <a:pt x="3255095" y="0"/>
+                </a:cubicBezTo>
+                <a:cubicBezTo>
+                  <a:pt x="3254386" y="8157"/>
+                  <a:pt x="3254682" y="12125"/>
+                  <a:pt x="3255095" y="18288"/>
+                </a:cubicBezTo>
+                <a:cubicBezTo>
+                  <a:pt x="3088545" y="23203"/>
+                  <a:pt x="2687475" y="7419"/>
+                  <a:pt x="2538974" y="18288"/>
+                </a:cubicBezTo>
+                <a:cubicBezTo>
+                  <a:pt x="2390473" y="29157"/>
+                  <a:pt x="2137381" y="-8959"/>
+                  <a:pt x="1822853" y="18288"/>
+                </a:cubicBezTo>
+                <a:cubicBezTo>
+                  <a:pt x="1508325" y="45535"/>
+                  <a:pt x="1466437" y="20385"/>
+                  <a:pt x="1171834" y="18288"/>
+                </a:cubicBezTo>
+                <a:cubicBezTo>
+                  <a:pt x="877231" y="16191"/>
+                  <a:pt x="561097" y="37643"/>
+                  <a:pt x="0" y="18288"/>
+                </a:cubicBezTo>
+                <a:cubicBezTo>
+                  <a:pt x="-46" y="12483"/>
+                  <a:pt x="-203" y="6491"/>
+                  <a:pt x="0" y="0"/>
+                </a:cubicBezTo>
+                <a:close/>
+              </a:path>
+              <a:path w="3255095" h="18288" stroke="0" extrusionOk="0">
+                <a:moveTo>
+                  <a:pt x="0" y="0"/>
+                </a:moveTo>
+                <a:cubicBezTo>
+                  <a:pt x="291965" y="19429"/>
+                  <a:pt x="363155" y="8568"/>
+                  <a:pt x="618468" y="0"/>
+                </a:cubicBezTo>
+                <a:cubicBezTo>
+                  <a:pt x="873781" y="-8568"/>
+                  <a:pt x="904459" y="-19505"/>
+                  <a:pt x="1171834" y="0"/>
+                </a:cubicBezTo>
+                <a:cubicBezTo>
+                  <a:pt x="1439209" y="19505"/>
+                  <a:pt x="1744369" y="9790"/>
+                  <a:pt x="1887955" y="0"/>
+                </a:cubicBezTo>
+                <a:cubicBezTo>
+                  <a:pt x="2031541" y="-9790"/>
+                  <a:pt x="2346378" y="21240"/>
+                  <a:pt x="2506423" y="0"/>
+                </a:cubicBezTo>
+                <a:cubicBezTo>
+                  <a:pt x="2666468" y="-21240"/>
+                  <a:pt x="2990257" y="30414"/>
+                  <a:pt x="3255095" y="0"/>
+                </a:cubicBezTo>
+                <a:cubicBezTo>
+                  <a:pt x="3254831" y="4493"/>
+                  <a:pt x="3255479" y="9472"/>
+                  <a:pt x="3255095" y="18288"/>
+                </a:cubicBezTo>
+                <a:cubicBezTo>
+                  <a:pt x="3120743" y="16690"/>
+                  <a:pt x="2759628" y="42462"/>
+                  <a:pt x="2604076" y="18288"/>
+                </a:cubicBezTo>
+                <a:cubicBezTo>
+                  <a:pt x="2448524" y="-5886"/>
+                  <a:pt x="2184336" y="19599"/>
+                  <a:pt x="1887955" y="18288"/>
+                </a:cubicBezTo>
+                <a:cubicBezTo>
+                  <a:pt x="1591574" y="16977"/>
+                  <a:pt x="1548845" y="6870"/>
+                  <a:pt x="1334589" y="18288"/>
+                </a:cubicBezTo>
+                <a:cubicBezTo>
+                  <a:pt x="1120333" y="29706"/>
+                  <a:pt x="996014" y="9662"/>
+                  <a:pt x="683570" y="18288"/>
+                </a:cubicBezTo>
+                <a:cubicBezTo>
+                  <a:pt x="371126" y="26914"/>
+                  <a:pt x="198687" y="16167"/>
+                  <a:pt x="0" y="18288"/>
+                </a:cubicBezTo>
+                <a:cubicBezTo>
+                  <a:pt x="843" y="9577"/>
+                  <a:pt x="371" y="6900"/>
+                  <a:pt x="0" y="0"/>
+                </a:cubicBezTo>
+                <a:close/>
+              </a:path>
+            </a:pathLst>
+          </a:custGeom>
+          <a:solidFill>
+            <a:schemeClr val="accent2"/>
+          </a:solidFill>
+          <a:ln w="38100" cap="rnd">
+            <a:solidFill>
+              <a:schemeClr val="accent2"/>
+            </a:solidFill>
+            <a:round/>
+            <a:extLst>
+              <a:ext uri="{C807C97D-BFC1-408E-A445-0C87EB9F89A2}">
+                <ask:lineSketchStyleProps xmlns:ask="http://schemas.microsoft.com/office/drawing/2018/sketchyshapes" sd="1219033472">
+                  <a:prstGeom prst="rect">
+                    <a:avLst/>
+                  </a:prstGeom>
+                  <ask:type>
+                    <ask:lineSketchFreehand/>
+                  </ask:type>
+                </ask:lineSketchStyleProps>
+              </a:ext>
+            </a:extLst>
+          </a:ln>
+        </p:spPr>
+        <p:style>
+          <a:lnRef idx="2">
+            <a:schemeClr val="accent1">
+              <a:shade val="50000"/>
+            </a:schemeClr>
+          </a:lnRef>
+          <a:fillRef idx="1">
+            <a:schemeClr val="accent1"/>
+          </a:fillRef>
+          <a:effectRef idx="0">
+            <a:schemeClr val="accent1"/>
+          </a:effectRef>
+          <a:fontRef idx="minor">
+            <a:schemeClr val="lt1"/>
+          </a:fontRef>
+        </p:style>
+        <p:txBody>
+          <a:bodyPr rtlCol="0" anchor="ctr"/>
+          <a:lstStyle/>
+          <a:p>
+            <a:pPr algn="ctr"/>
+            <a:endParaRPr lang="en-US"/>
+          </a:p>
+        </p:txBody>
+      </p:sp>
+      <p:sp>
+        <p:nvSpPr>
+          <p:cNvPr id="3" name="Объект 2"/>
+          <p:cNvSpPr>
+            <a:spLocks noGrp="1"/>
+          </p:cNvSpPr>
+          <p:nvPr>
+            <p:ph sz="half" idx="1"/>
+          </p:nvPr>
+        </p:nvSpPr>
+        <p:spPr>
+          <a:xfrm>
+            <a:off x="630936" y="2660904"/>
+            <a:ext cx="4818888" cy="3547872"/>
           </a:xfrm>
         </p:spPr>
         <p:txBody>
-          <a:bodyPr>
+          <a:bodyPr vert="horz" lIns="91440" tIns="45720" rIns="91440" bIns="45720" rtlCol="0" anchor="t">
             <a:normAutofit/>
           </a:bodyPr>
           <a:lstStyle/>
           <a:p>
-            <a:pPr marL="0" indent="0">
-              <a:buNone/>
-            </a:pPr>
-            <a:r>
-              <a:rPr lang="en-US" sz="1400" b="1" dirty="0" smtClean="0"/>
+            <a:pPr marL="0"/>
+            <a:r>
+              <a:rPr lang="en-US" sz="1700" b="1"/>
               <a:t>Amazon Elastic Transcoder </a:t>
             </a:r>
             <a:r>
-              <a:rPr lang="en-US" sz="1400" dirty="0" smtClean="0"/>
+              <a:rPr lang="en-US" sz="1700"/>
               <a:t>is a highly scalable, easy to use and cost-effective way for developers and businesses to convert (or “transcode”) video and audio files from their source format into versions that will playback on devices like smartphones, tablets and PCs.</a:t>
             </a:r>
           </a:p>
           <a:p>
-            <a:pPr marL="0" indent="0">
-              <a:buNone/>
-            </a:pPr>
-            <a:r>
-              <a:rPr lang="en-US" sz="1400" dirty="0" smtClean="0"/>
+            <a:pPr marL="0"/>
+            <a:r>
+              <a:rPr lang="en-US" sz="1700"/>
               <a:t>Supports a wide range of input and output formats, resolutions, bitrates, and frame rates.</a:t>
             </a:r>
           </a:p>
           <a:p>
-            <a:pPr marL="0" indent="0">
-              <a:buNone/>
-            </a:pPr>
-            <a:r>
-              <a:rPr lang="en-US" sz="1400" dirty="0" smtClean="0"/>
+            <a:pPr marL="0"/>
+            <a:r>
+              <a:rPr lang="en-US" sz="1700"/>
               <a:t>Also offers features for automatic video bit rate optimization, generation of thumbnails, overlay of visual watermarks, caption support, DRM packaging, progressive downloads, encryption and more.</a:t>
             </a:r>
-            <a:endParaRPr lang="en-US" sz="1400" dirty="0"/>
           </a:p>
         </p:txBody>
       </p:sp>
@@ -3667,8 +4017,8 @@
         </p:blipFill>
         <p:spPr>
           <a:xfrm>
-            <a:off x="7219950" y="1825625"/>
-            <a:ext cx="4972050" cy="2028825"/>
+            <a:off x="6099048" y="2316735"/>
+            <a:ext cx="5458968" cy="2224529"/>
           </a:xfrm>
           <a:prstGeom prst="rect">
             <a:avLst/>
@@ -3691,6 +4041,14 @@
 <file path=ppt/slides/slide2.xml><?xml version="1.0" encoding="utf-8"?>
 <p:sld xmlns:a="http://schemas.openxmlformats.org/drawingml/2006/main" xmlns:r="http://schemas.openxmlformats.org/officeDocument/2006/relationships" xmlns:p="http://schemas.openxmlformats.org/presentationml/2006/main">
   <p:cSld>
+    <p:bg>
+      <p:bgPr>
+        <a:solidFill>
+          <a:schemeClr val="bg1"/>
+        </a:solidFill>
+        <a:effectLst/>
+      </p:bgPr>
+    </p:bg>
     <p:spTree>
       <p:nvGrpSpPr>
         <p:cNvPr id="1" name=""/>
@@ -3705,6 +4063,66 @@
           <a:chExt cx="0" cy="0"/>
         </a:xfrm>
       </p:grpSpPr>
+      <p:sp useBgFill="1">
+        <p:nvSpPr>
+          <p:cNvPr id="9" name="Rectangle 8">
+            <a:extLst>
+              <a:ext uri="{FF2B5EF4-FFF2-40B4-BE49-F238E27FC236}">
+                <a16:creationId xmlns:a16="http://schemas.microsoft.com/office/drawing/2014/main" id="{743AA782-23D1-4521-8CAD-47662984AA08}"/>
+              </a:ext>
+              <a:ext uri="{C183D7F6-B498-43B3-948B-1728B52AA6E4}">
+                <adec:decorative xmlns:adec="http://schemas.microsoft.com/office/drawing/2017/decorative" val="1"/>
+              </a:ext>
+            </a:extLst>
+          </p:cNvPr>
+          <p:cNvSpPr>
+            <a:spLocks noGrp="1" noRot="1" noChangeAspect="1" noMove="1" noResize="1" noEditPoints="1" noAdjustHandles="1" noChangeArrowheads="1" noChangeShapeType="1" noTextEdit="1"/>
+          </p:cNvSpPr>
+          <p:nvPr>
+            <p:extLst>
+              <p:ext uri="{386F3935-93C4-4BCD-93E2-E3B085C9AB24}">
+                <p16:designElem xmlns:p16="http://schemas.microsoft.com/office/powerpoint/2015/main" val="1"/>
+              </p:ext>
+            </p:extLst>
+          </p:nvPr>
+        </p:nvSpPr>
+        <p:spPr>
+          <a:xfrm>
+            <a:off x="0" y="0"/>
+            <a:ext cx="12192000" cy="6858000"/>
+          </a:xfrm>
+          <a:prstGeom prst="rect">
+            <a:avLst/>
+          </a:prstGeom>
+          <a:ln>
+            <a:noFill/>
+          </a:ln>
+        </p:spPr>
+        <p:style>
+          <a:lnRef idx="2">
+            <a:schemeClr val="accent1">
+              <a:shade val="50000"/>
+            </a:schemeClr>
+          </a:lnRef>
+          <a:fillRef idx="1">
+            <a:schemeClr val="accent1"/>
+          </a:fillRef>
+          <a:effectRef idx="0">
+            <a:schemeClr val="accent1"/>
+          </a:effectRef>
+          <a:fontRef idx="minor">
+            <a:schemeClr val="lt1"/>
+          </a:fontRef>
+        </p:style>
+        <p:txBody>
+          <a:bodyPr rtlCol="0" anchor="ctr"/>
+          <a:lstStyle/>
+          <a:p>
+            <a:pPr algn="ctr"/>
+            <a:endParaRPr lang="en-US"/>
+          </a:p>
+        </p:txBody>
+      </p:sp>
       <p:sp>
         <p:nvSpPr>
           <p:cNvPr id="2" name="Заголовок 1"/>
@@ -3715,115 +4133,415 @@
             <p:ph type="title"/>
           </p:nvPr>
         </p:nvSpPr>
-        <p:spPr/>
-        <p:txBody>
-          <a:bodyPr>
+        <p:spPr>
+          <a:xfrm>
+            <a:off x="630936" y="640080"/>
+            <a:ext cx="4818888" cy="1481328"/>
+          </a:xfrm>
+        </p:spPr>
+        <p:txBody>
+          <a:bodyPr vert="horz" lIns="91440" tIns="45720" rIns="91440" bIns="45720" rtlCol="0" anchor="b">
             <a:normAutofit/>
           </a:bodyPr>
           <a:lstStyle/>
           <a:p>
             <a:r>
-              <a:rPr lang="en-US" sz="3200" dirty="0"/>
-              <a:t>Components of Elastic </a:t>
-            </a:r>
-            <a:r>
-              <a:rPr lang="en-US" sz="3200" dirty="0" smtClean="0"/>
-              <a:t>Transcoder</a:t>
-            </a:r>
-            <a:endParaRPr lang="en-US" sz="3200" dirty="0"/>
-          </a:p>
-        </p:txBody>
-      </p:sp>
-      <p:sp>
-        <p:nvSpPr>
-          <p:cNvPr id="3" name="Объект 2"/>
-          <p:cNvSpPr>
-            <a:spLocks noGrp="1"/>
-          </p:cNvSpPr>
-          <p:nvPr>
-            <p:ph sz="half" idx="1"/>
+              <a:rPr lang="en-US" sz="5000" kern="1200">
+                <a:solidFill>
+                  <a:schemeClr val="tx1"/>
+                </a:solidFill>
+                <a:latin typeface="+mj-lt"/>
+                <a:ea typeface="+mj-ea"/>
+                <a:cs typeface="+mj-cs"/>
+              </a:rPr>
+              <a:t>Components of Elastic Transcoder</a:t>
+            </a:r>
+          </a:p>
+        </p:txBody>
+      </p:sp>
+      <p:sp>
+        <p:nvSpPr>
+          <p:cNvPr id="11" name="sketch line">
+            <a:extLst>
+              <a:ext uri="{FF2B5EF4-FFF2-40B4-BE49-F238E27FC236}">
+                <a16:creationId xmlns:a16="http://schemas.microsoft.com/office/drawing/2014/main" id="{71877DBC-BB60-40F0-AC93-2ACDBAAE60CE}"/>
+              </a:ext>
+              <a:ext uri="{C183D7F6-B498-43B3-948B-1728B52AA6E4}">
+                <adec:decorative xmlns:adec="http://schemas.microsoft.com/office/drawing/2017/decorative" val="1"/>
+              </a:ext>
+            </a:extLst>
+          </p:cNvPr>
+          <p:cNvSpPr>
+            <a:spLocks noGrp="1" noRot="1" noChangeAspect="1" noMove="1" noResize="1" noEditPoints="1" noAdjustHandles="1" noChangeArrowheads="1" noChangeShapeType="1" noTextEdit="1"/>
+          </p:cNvSpPr>
+          <p:nvPr>
+            <p:extLst>
+              <p:ext uri="{386F3935-93C4-4BCD-93E2-E3B085C9AB24}">
+                <p16:designElem xmlns:p16="http://schemas.microsoft.com/office/powerpoint/2015/main" val="1"/>
+              </p:ext>
+            </p:extLst>
           </p:nvPr>
         </p:nvSpPr>
         <p:spPr>
           <a:xfrm>
-            <a:off x="100583" y="1825625"/>
-            <a:ext cx="7309321" cy="4351338"/>
+            <a:off x="643278" y="2372868"/>
+            <a:ext cx="3255095" cy="18288"/>
+          </a:xfrm>
+          <a:custGeom>
+            <a:avLst/>
+            <a:gdLst>
+              <a:gd name="connsiteX0" fmla="*/ 0 w 3255095"/>
+              <a:gd name="connsiteY0" fmla="*/ 0 h 18288"/>
+              <a:gd name="connsiteX1" fmla="*/ 618468 w 3255095"/>
+              <a:gd name="connsiteY1" fmla="*/ 0 h 18288"/>
+              <a:gd name="connsiteX2" fmla="*/ 1269487 w 3255095"/>
+              <a:gd name="connsiteY2" fmla="*/ 0 h 18288"/>
+              <a:gd name="connsiteX3" fmla="*/ 1953057 w 3255095"/>
+              <a:gd name="connsiteY3" fmla="*/ 0 h 18288"/>
+              <a:gd name="connsiteX4" fmla="*/ 2636627 w 3255095"/>
+              <a:gd name="connsiteY4" fmla="*/ 0 h 18288"/>
+              <a:gd name="connsiteX5" fmla="*/ 3255095 w 3255095"/>
+              <a:gd name="connsiteY5" fmla="*/ 0 h 18288"/>
+              <a:gd name="connsiteX6" fmla="*/ 3255095 w 3255095"/>
+              <a:gd name="connsiteY6" fmla="*/ 18288 h 18288"/>
+              <a:gd name="connsiteX7" fmla="*/ 2538974 w 3255095"/>
+              <a:gd name="connsiteY7" fmla="*/ 18288 h 18288"/>
+              <a:gd name="connsiteX8" fmla="*/ 1822853 w 3255095"/>
+              <a:gd name="connsiteY8" fmla="*/ 18288 h 18288"/>
+              <a:gd name="connsiteX9" fmla="*/ 1171834 w 3255095"/>
+              <a:gd name="connsiteY9" fmla="*/ 18288 h 18288"/>
+              <a:gd name="connsiteX10" fmla="*/ 0 w 3255095"/>
+              <a:gd name="connsiteY10" fmla="*/ 18288 h 18288"/>
+              <a:gd name="connsiteX11" fmla="*/ 0 w 3255095"/>
+              <a:gd name="connsiteY11" fmla="*/ 0 h 18288"/>
+            </a:gdLst>
+            <a:ahLst/>
+            <a:cxnLst>
+              <a:cxn ang="0">
+                <a:pos x="connsiteX0" y="connsiteY0"/>
+              </a:cxn>
+              <a:cxn ang="0">
+                <a:pos x="connsiteX1" y="connsiteY1"/>
+              </a:cxn>
+              <a:cxn ang="0">
+                <a:pos x="connsiteX2" y="connsiteY2"/>
+              </a:cxn>
+              <a:cxn ang="0">
+                <a:pos x="connsiteX3" y="connsiteY3"/>
+              </a:cxn>
+              <a:cxn ang="0">
+                <a:pos x="connsiteX4" y="connsiteY4"/>
+              </a:cxn>
+              <a:cxn ang="0">
+                <a:pos x="connsiteX5" y="connsiteY5"/>
+              </a:cxn>
+              <a:cxn ang="0">
+                <a:pos x="connsiteX6" y="connsiteY6"/>
+              </a:cxn>
+              <a:cxn ang="0">
+                <a:pos x="connsiteX7" y="connsiteY7"/>
+              </a:cxn>
+              <a:cxn ang="0">
+                <a:pos x="connsiteX8" y="connsiteY8"/>
+              </a:cxn>
+              <a:cxn ang="0">
+                <a:pos x="connsiteX9" y="connsiteY9"/>
+              </a:cxn>
+              <a:cxn ang="0">
+                <a:pos x="connsiteX10" y="connsiteY10"/>
+              </a:cxn>
+              <a:cxn ang="0">
+                <a:pos x="connsiteX11" y="connsiteY11"/>
+              </a:cxn>
+            </a:cxnLst>
+            <a:rect l="l" t="t" r="r" b="b"/>
+            <a:pathLst>
+              <a:path w="3255095" h="18288" fill="none" extrusionOk="0">
+                <a:moveTo>
+                  <a:pt x="0" y="0"/>
+                </a:moveTo>
+                <a:cubicBezTo>
+                  <a:pt x="240201" y="-22123"/>
+                  <a:pt x="462021" y="-19623"/>
+                  <a:pt x="618468" y="0"/>
+                </a:cubicBezTo>
+                <a:cubicBezTo>
+                  <a:pt x="774915" y="19623"/>
+                  <a:pt x="974734" y="2035"/>
+                  <a:pt x="1269487" y="0"/>
+                </a:cubicBezTo>
+                <a:cubicBezTo>
+                  <a:pt x="1564240" y="-2035"/>
+                  <a:pt x="1733579" y="10639"/>
+                  <a:pt x="1953057" y="0"/>
+                </a:cubicBezTo>
+                <a:cubicBezTo>
+                  <a:pt x="2172535" y="-10639"/>
+                  <a:pt x="2453962" y="14018"/>
+                  <a:pt x="2636627" y="0"/>
+                </a:cubicBezTo>
+                <a:cubicBezTo>
+                  <a:pt x="2819292" y="-14018"/>
+                  <a:pt x="3121375" y="5399"/>
+                  <a:pt x="3255095" y="0"/>
+                </a:cubicBezTo>
+                <a:cubicBezTo>
+                  <a:pt x="3254386" y="8157"/>
+                  <a:pt x="3254682" y="12125"/>
+                  <a:pt x="3255095" y="18288"/>
+                </a:cubicBezTo>
+                <a:cubicBezTo>
+                  <a:pt x="3088545" y="23203"/>
+                  <a:pt x="2687475" y="7419"/>
+                  <a:pt x="2538974" y="18288"/>
+                </a:cubicBezTo>
+                <a:cubicBezTo>
+                  <a:pt x="2390473" y="29157"/>
+                  <a:pt x="2137381" y="-8959"/>
+                  <a:pt x="1822853" y="18288"/>
+                </a:cubicBezTo>
+                <a:cubicBezTo>
+                  <a:pt x="1508325" y="45535"/>
+                  <a:pt x="1466437" y="20385"/>
+                  <a:pt x="1171834" y="18288"/>
+                </a:cubicBezTo>
+                <a:cubicBezTo>
+                  <a:pt x="877231" y="16191"/>
+                  <a:pt x="561097" y="37643"/>
+                  <a:pt x="0" y="18288"/>
+                </a:cubicBezTo>
+                <a:cubicBezTo>
+                  <a:pt x="-46" y="12483"/>
+                  <a:pt x="-203" y="6491"/>
+                  <a:pt x="0" y="0"/>
+                </a:cubicBezTo>
+                <a:close/>
+              </a:path>
+              <a:path w="3255095" h="18288" stroke="0" extrusionOk="0">
+                <a:moveTo>
+                  <a:pt x="0" y="0"/>
+                </a:moveTo>
+                <a:cubicBezTo>
+                  <a:pt x="291965" y="19429"/>
+                  <a:pt x="363155" y="8568"/>
+                  <a:pt x="618468" y="0"/>
+                </a:cubicBezTo>
+                <a:cubicBezTo>
+                  <a:pt x="873781" y="-8568"/>
+                  <a:pt x="904459" y="-19505"/>
+                  <a:pt x="1171834" y="0"/>
+                </a:cubicBezTo>
+                <a:cubicBezTo>
+                  <a:pt x="1439209" y="19505"/>
+                  <a:pt x="1744369" y="9790"/>
+                  <a:pt x="1887955" y="0"/>
+                </a:cubicBezTo>
+                <a:cubicBezTo>
+                  <a:pt x="2031541" y="-9790"/>
+                  <a:pt x="2346378" y="21240"/>
+                  <a:pt x="2506423" y="0"/>
+                </a:cubicBezTo>
+                <a:cubicBezTo>
+                  <a:pt x="2666468" y="-21240"/>
+                  <a:pt x="2990257" y="30414"/>
+                  <a:pt x="3255095" y="0"/>
+                </a:cubicBezTo>
+                <a:cubicBezTo>
+                  <a:pt x="3254831" y="4493"/>
+                  <a:pt x="3255479" y="9472"/>
+                  <a:pt x="3255095" y="18288"/>
+                </a:cubicBezTo>
+                <a:cubicBezTo>
+                  <a:pt x="3120743" y="16690"/>
+                  <a:pt x="2759628" y="42462"/>
+                  <a:pt x="2604076" y="18288"/>
+                </a:cubicBezTo>
+                <a:cubicBezTo>
+                  <a:pt x="2448524" y="-5886"/>
+                  <a:pt x="2184336" y="19599"/>
+                  <a:pt x="1887955" y="18288"/>
+                </a:cubicBezTo>
+                <a:cubicBezTo>
+                  <a:pt x="1591574" y="16977"/>
+                  <a:pt x="1548845" y="6870"/>
+                  <a:pt x="1334589" y="18288"/>
+                </a:cubicBezTo>
+                <a:cubicBezTo>
+                  <a:pt x="1120333" y="29706"/>
+                  <a:pt x="996014" y="9662"/>
+                  <a:pt x="683570" y="18288"/>
+                </a:cubicBezTo>
+                <a:cubicBezTo>
+                  <a:pt x="371126" y="26914"/>
+                  <a:pt x="198687" y="16167"/>
+                  <a:pt x="0" y="18288"/>
+                </a:cubicBezTo>
+                <a:cubicBezTo>
+                  <a:pt x="843" y="9577"/>
+                  <a:pt x="371" y="6900"/>
+                  <a:pt x="0" y="0"/>
+                </a:cubicBezTo>
+                <a:close/>
+              </a:path>
+            </a:pathLst>
+          </a:custGeom>
+          <a:solidFill>
+            <a:schemeClr val="accent2"/>
+          </a:solidFill>
+          <a:ln w="38100" cap="rnd">
+            <a:solidFill>
+              <a:schemeClr val="accent2"/>
+            </a:solidFill>
+            <a:round/>
+            <a:extLst>
+              <a:ext uri="{C807C97D-BFC1-408E-A445-0C87EB9F89A2}">
+                <ask:lineSketchStyleProps xmlns:ask="http://schemas.microsoft.com/office/drawing/2018/sketchyshapes" sd="1219033472">
+                  <a:prstGeom prst="rect">
+                    <a:avLst/>
+                  </a:prstGeom>
+                  <ask:type>
+                    <ask:lineSketchFreehand/>
+                  </ask:type>
+                </ask:lineSketchStyleProps>
+              </a:ext>
+            </a:extLst>
+          </a:ln>
+        </p:spPr>
+        <p:style>
+          <a:lnRef idx="2">
+            <a:schemeClr val="accent1">
+              <a:shade val="50000"/>
+            </a:schemeClr>
+          </a:lnRef>
+          <a:fillRef idx="1">
+            <a:schemeClr val="accent1"/>
+          </a:fillRef>
+          <a:effectRef idx="0">
+            <a:schemeClr val="accent1"/>
+          </a:effectRef>
+          <a:fontRef idx="minor">
+            <a:schemeClr val="lt1"/>
+          </a:fontRef>
+        </p:style>
+        <p:txBody>
+          <a:bodyPr rtlCol="0" anchor="ctr"/>
+          <a:lstStyle/>
+          <a:p>
+            <a:pPr algn="ctr"/>
+            <a:endParaRPr lang="en-US"/>
+          </a:p>
+        </p:txBody>
+      </p:sp>
+      <p:sp>
+        <p:nvSpPr>
+          <p:cNvPr id="3" name="Объект 2"/>
+          <p:cNvSpPr>
+            <a:spLocks noGrp="1"/>
+          </p:cNvSpPr>
+          <p:nvPr>
+            <p:ph sz="half" idx="1"/>
+          </p:nvPr>
+        </p:nvSpPr>
+        <p:spPr>
+          <a:xfrm>
+            <a:off x="125260" y="2567335"/>
+            <a:ext cx="7341331" cy="3978679"/>
           </a:xfrm>
         </p:spPr>
         <p:txBody>
-          <a:bodyPr>
-            <a:normAutofit/>
+          <a:bodyPr vert="horz" lIns="91440" tIns="45720" rIns="91440" bIns="45720" rtlCol="0" anchor="t">
+            <a:normAutofit fontScale="92500" lnSpcReduction="10000"/>
           </a:bodyPr>
           <a:lstStyle/>
           <a:p>
             <a:r>
-              <a:rPr lang="en-US" sz="1400" b="1" dirty="0" smtClean="0"/>
+              <a:rPr lang="en-US" sz="1200" b="1" dirty="0"/>
               <a:t>Jobs</a:t>
             </a:r>
             <a:r>
-              <a:rPr lang="en-US" sz="1400" dirty="0" smtClean="0"/>
-              <a:t> - The main task of the job is to complete the work of transcoding. Each job can convert a file up to 30 formats. For example, if you want to convert a media file into eight different formats, then a single job creates files in eight formats. When you create a job, you need to specify the name of the file that you want to transcode.</a:t>
-            </a:r>
-            <a:endParaRPr lang="en-US" sz="1400" dirty="0"/>
-          </a:p>
-          <a:p>
-            <a:r>
-              <a:rPr lang="en-US" sz="1400" b="1" dirty="0" smtClean="0"/>
+              <a:rPr lang="en-US" sz="1200" dirty="0"/>
+              <a:t> - The main task of the job is to complete the work of transcoding. Each job can convert a file up to 30 formats. </a:t>
+            </a:r>
+          </a:p>
+          <a:p>
+            <a:r>
+              <a:rPr lang="en-US" sz="1200" dirty="0"/>
+              <a:t>For example, if you want to convert a media file into eight different formats, then a single job creates files in eight formats. When you create a job, you need to specify the name of the file that you want to transcode.</a:t>
+            </a:r>
+          </a:p>
+          <a:p>
+            <a:r>
+              <a:rPr lang="en-US" sz="1200" b="1" dirty="0"/>
               <a:t>Pipelines</a:t>
             </a:r>
             <a:r>
-              <a:rPr lang="en-US" sz="1400" dirty="0" smtClean="0"/>
-              <a:t> - are the queues that consist of your transcoding jobs. When you create a job, then you need to specify which pipeline you want to add your job. If you want a job to create more than one format, Elastic Transcoder creates the files for each format in the order you specify the formats in a job.</a:t>
+              <a:rPr lang="en-US" sz="1200" dirty="0"/>
+              <a:t> - are the queues that consist of your transcoding jobs. When you create a job, then you need to specify which pipeline you want to add your job. </a:t>
+            </a:r>
+          </a:p>
+          <a:p>
+            <a:r>
+              <a:rPr lang="en-US" sz="1200" dirty="0"/>
+              <a:t>If you want a job to create more than one format, Elastic Transcoder creates the files for each format in the order you specify the formats in a job.</a:t>
             </a:r>
           </a:p>
           <a:p>
             <a:pPr lvl="1"/>
             <a:r>
-              <a:rPr lang="en-US" sz="1200" dirty="0" smtClean="0"/>
-              <a:t>You can create either of the two pipelines, i.e., standard-priority jobs and high-priority jobs. Mainly jobs go into the standard-priority jobs. Sometimes you want to transcode the file immediately; the high-priority pipeline is used.</a:t>
-            </a:r>
-            <a:endParaRPr lang="en-US" sz="1200" dirty="0"/>
-          </a:p>
-          <a:p>
-            <a:r>
-              <a:rPr lang="en-US" sz="1400" b="1" dirty="0" smtClean="0"/>
+              <a:rPr lang="en-US" sz="1200" dirty="0"/>
+              <a:t>You can create either of the two pipelines, i.e., standard-priority jobs and high-priority jobs. Mainly jobs go into the standard-priority jobs. </a:t>
+            </a:r>
+          </a:p>
+          <a:p>
+            <a:pPr lvl="1"/>
+            <a:r>
+              <a:rPr lang="en-US" sz="1200" dirty="0"/>
+              <a:t>Sometimes you want to transcode the file immediately; the high-priority pipeline is used.</a:t>
+            </a:r>
+          </a:p>
+          <a:p>
+            <a:r>
+              <a:rPr lang="en-US" sz="1200" b="1" dirty="0"/>
               <a:t>Presets</a:t>
             </a:r>
             <a:r>
-              <a:rPr lang="en-US" sz="1400" dirty="0" smtClean="0"/>
-              <a:t> - are the templates that contain the settings for transcoding the media file from one format to another format. Elastic transcoder consists of some default presets for common formats. You can also create your own presets that are not included in the default presets. You need to specify a preset that you want to use when you create a job.</a:t>
-            </a:r>
-            <a:endParaRPr lang="en-US" sz="1400" dirty="0"/>
-          </a:p>
-          <a:p>
-            <a:r>
-              <a:rPr lang="en-US" sz="1400" b="1" dirty="0" smtClean="0"/>
+              <a:rPr lang="en-US" sz="1200" dirty="0"/>
+              <a:t> - are the templates that contain the settings for transcoding the media file from one format to another format. </a:t>
+            </a:r>
+          </a:p>
+          <a:p>
+            <a:r>
+              <a:rPr lang="en-US" sz="1200" dirty="0"/>
+              <a:t>Elastic transcoder consists of some default presets for common formats. </a:t>
+            </a:r>
+          </a:p>
+          <a:p>
+            <a:r>
+              <a:rPr lang="en-US" sz="1200" dirty="0"/>
+              <a:t>You can also create your own presets that are not included in the default presets. You need to specify a preset that you want to use when you create a job.</a:t>
+            </a:r>
+          </a:p>
+          <a:p>
+            <a:r>
+              <a:rPr lang="en-US" sz="1200" b="1" dirty="0"/>
               <a:t>Notifications</a:t>
             </a:r>
             <a:r>
-              <a:rPr lang="en-US" sz="1400" dirty="0" smtClean="0"/>
-              <a:t> - </a:t>
-            </a:r>
-            <a:r>
-              <a:rPr lang="en-US" sz="1400" dirty="0" smtClean="0"/>
-              <a:t>are </a:t>
-            </a:r>
-            <a:r>
-              <a:rPr lang="en-US" sz="1400" dirty="0" smtClean="0"/>
-              <a:t>an optional field which you can configure with the Elastic Transcoder. Notification Service is a service that keeps you updated with the status of your job: when Elastic Transcoder starts processing your job, when Elastic Transcoder finishes its job, whether the Elastic Transcoder encounters an error condition or </a:t>
-            </a:r>
-            <a:r>
-              <a:rPr lang="en-US" sz="1400" dirty="0" err="1" smtClean="0"/>
-              <a:t>not.You</a:t>
-            </a:r>
-            <a:r>
-              <a:rPr lang="en-US" sz="1400" dirty="0" smtClean="0"/>
-              <a:t> can configure Notifications when you create a pipeline.</a:t>
-            </a:r>
-            <a:endParaRPr lang="en-US" sz="1400" dirty="0"/>
-          </a:p>
-          <a:p>
-            <a:endParaRPr lang="en-US" sz="1400" dirty="0"/>
+              <a:rPr lang="en-US" sz="1200" dirty="0"/>
+              <a:t> - are an optional field which you can configure with the Elastic Transcoder. </a:t>
+            </a:r>
+          </a:p>
+          <a:p>
+            <a:r>
+              <a:rPr lang="en-US" sz="1200" dirty="0"/>
+              <a:t>Notification Service is a service that keeps you updated with the status of your job: when Elastic Transcoder starts processing your job, when Elastic Transcoder finishes its job, whether the Elastic Transcoder encounters an error condition or not.</a:t>
+            </a:r>
+          </a:p>
+          <a:p>
+            <a:r>
+              <a:rPr lang="en-US" sz="1200" dirty="0"/>
+              <a:t>You can configure Notifications when you create a pipeline.</a:t>
+            </a:r>
           </a:p>
         </p:txBody>
       </p:sp>
@@ -3843,8 +4561,8 @@
         </p:blipFill>
         <p:spPr>
           <a:xfrm>
-            <a:off x="7409905" y="1965960"/>
-            <a:ext cx="4634809" cy="1719835"/>
+            <a:off x="7668135" y="2646310"/>
+            <a:ext cx="4523865" cy="1673830"/>
           </a:xfrm>
           <a:prstGeom prst="rect">
             <a:avLst/>
@@ -3867,6 +4585,14 @@
 <file path=ppt/slides/slide3.xml><?xml version="1.0" encoding="utf-8"?>
 <p:sld xmlns:a="http://schemas.openxmlformats.org/drawingml/2006/main" xmlns:r="http://schemas.openxmlformats.org/officeDocument/2006/relationships" xmlns:p="http://schemas.openxmlformats.org/presentationml/2006/main">
   <p:cSld>
+    <p:bg>
+      <p:bgPr>
+        <a:solidFill>
+          <a:schemeClr val="bg1"/>
+        </a:solidFill>
+        <a:effectLst/>
+      </p:bgPr>
+    </p:bg>
     <p:spTree>
       <p:nvGrpSpPr>
         <p:cNvPr id="1" name=""/>
@@ -3881,6 +4607,66 @@
           <a:chExt cx="0" cy="0"/>
         </a:xfrm>
       </p:grpSpPr>
+      <p:sp useBgFill="1">
+        <p:nvSpPr>
+          <p:cNvPr id="9" name="Rectangle 8">
+            <a:extLst>
+              <a:ext uri="{FF2B5EF4-FFF2-40B4-BE49-F238E27FC236}">
+                <a16:creationId xmlns:a16="http://schemas.microsoft.com/office/drawing/2014/main" id="{32AEEBC8-9D30-42EF-95F2-386C2653FBF0}"/>
+              </a:ext>
+              <a:ext uri="{C183D7F6-B498-43B3-948B-1728B52AA6E4}">
+                <adec:decorative xmlns:adec="http://schemas.microsoft.com/office/drawing/2017/decorative" val="1"/>
+              </a:ext>
+            </a:extLst>
+          </p:cNvPr>
+          <p:cNvSpPr>
+            <a:spLocks noGrp="1" noRot="1" noChangeAspect="1" noMove="1" noResize="1" noEditPoints="1" noAdjustHandles="1" noChangeArrowheads="1" noChangeShapeType="1" noTextEdit="1"/>
+          </p:cNvSpPr>
+          <p:nvPr>
+            <p:extLst>
+              <p:ext uri="{386F3935-93C4-4BCD-93E2-E3B085C9AB24}">
+                <p16:designElem xmlns:p16="http://schemas.microsoft.com/office/powerpoint/2015/main" val="1"/>
+              </p:ext>
+            </p:extLst>
+          </p:nvPr>
+        </p:nvSpPr>
+        <p:spPr>
+          <a:xfrm>
+            <a:off x="0" y="0"/>
+            <a:ext cx="12192000" cy="6858000"/>
+          </a:xfrm>
+          <a:prstGeom prst="rect">
+            <a:avLst/>
+          </a:prstGeom>
+          <a:ln>
+            <a:noFill/>
+          </a:ln>
+        </p:spPr>
+        <p:style>
+          <a:lnRef idx="2">
+            <a:schemeClr val="accent1">
+              <a:shade val="50000"/>
+            </a:schemeClr>
+          </a:lnRef>
+          <a:fillRef idx="1">
+            <a:schemeClr val="accent1"/>
+          </a:fillRef>
+          <a:effectRef idx="0">
+            <a:schemeClr val="accent1"/>
+          </a:effectRef>
+          <a:fontRef idx="minor">
+            <a:schemeClr val="lt1"/>
+          </a:fontRef>
+        </p:style>
+        <p:txBody>
+          <a:bodyPr rtlCol="0" anchor="ctr"/>
+          <a:lstStyle/>
+          <a:p>
+            <a:pPr algn="ctr"/>
+            <a:endParaRPr lang="en-US"/>
+          </a:p>
+        </p:txBody>
+      </p:sp>
       <p:sp>
         <p:nvSpPr>
           <p:cNvPr id="2" name="Заголовок 1"/>
@@ -3891,22 +4677,252 @@
             <p:ph type="title"/>
           </p:nvPr>
         </p:nvSpPr>
-        <p:spPr/>
-        <p:txBody>
-          <a:bodyPr>
+        <p:spPr>
+          <a:xfrm>
+            <a:off x="630936" y="502920"/>
+            <a:ext cx="3419856" cy="1463040"/>
+          </a:xfrm>
+        </p:spPr>
+        <p:txBody>
+          <a:bodyPr vert="horz" lIns="91440" tIns="45720" rIns="91440" bIns="45720" rtlCol="0" anchor="ctr">
             <a:normAutofit/>
           </a:bodyPr>
           <a:lstStyle/>
           <a:p>
             <a:r>
-              <a:rPr lang="en-US" sz="3200" dirty="0"/>
-              <a:t>How A Cloud Uses Elastic </a:t>
-            </a:r>
-            <a:r>
-              <a:rPr lang="en-US" sz="3200" dirty="0" smtClean="0"/>
-              <a:t>Transcoder</a:t>
-            </a:r>
-            <a:endParaRPr lang="en-US" sz="3200" dirty="0"/>
+              <a:rPr lang="en-US" sz="3400" kern="1200">
+                <a:solidFill>
+                  <a:schemeClr val="tx1"/>
+                </a:solidFill>
+                <a:latin typeface="+mj-lt"/>
+                <a:ea typeface="+mj-ea"/>
+                <a:cs typeface="+mj-cs"/>
+              </a:rPr>
+              <a:t>How A Cloud Uses Elastic Transcoder</a:t>
+            </a:r>
+          </a:p>
+        </p:txBody>
+      </p:sp>
+      <p:sp>
+        <p:nvSpPr>
+          <p:cNvPr id="11" name="sketch line">
+            <a:extLst>
+              <a:ext uri="{FF2B5EF4-FFF2-40B4-BE49-F238E27FC236}">
+                <a16:creationId xmlns:a16="http://schemas.microsoft.com/office/drawing/2014/main" id="{2E92FA66-67D7-4CB4-94D3-E643A9AD4757}"/>
+              </a:ext>
+              <a:ext uri="{C183D7F6-B498-43B3-948B-1728B52AA6E4}">
+                <adec:decorative xmlns:adec="http://schemas.microsoft.com/office/drawing/2017/decorative" val="1"/>
+              </a:ext>
+            </a:extLst>
+          </p:cNvPr>
+          <p:cNvSpPr>
+            <a:spLocks noGrp="1" noRot="1" noChangeAspect="1" noMove="1" noResize="1" noEditPoints="1" noAdjustHandles="1" noChangeArrowheads="1" noChangeShapeType="1" noTextEdit="1"/>
+          </p:cNvSpPr>
+          <p:nvPr>
+            <p:extLst>
+              <p:ext uri="{386F3935-93C4-4BCD-93E2-E3B085C9AB24}">
+                <p16:designElem xmlns:p16="http://schemas.microsoft.com/office/powerpoint/2015/main" val="1"/>
+              </p:ext>
+            </p:extLst>
+          </p:nvPr>
+        </p:nvSpPr>
+        <p:spPr>
+          <a:xfrm rot="5400000">
+            <a:off x="3566159" y="1225296"/>
+            <a:ext cx="1554480" cy="18288"/>
+          </a:xfrm>
+          <a:custGeom>
+            <a:avLst/>
+            <a:gdLst>
+              <a:gd name="connsiteX0" fmla="*/ 0 w 1554480"/>
+              <a:gd name="connsiteY0" fmla="*/ 0 h 18288"/>
+              <a:gd name="connsiteX1" fmla="*/ 549250 w 1554480"/>
+              <a:gd name="connsiteY1" fmla="*/ 0 h 18288"/>
+              <a:gd name="connsiteX2" fmla="*/ 1082954 w 1554480"/>
+              <a:gd name="connsiteY2" fmla="*/ 0 h 18288"/>
+              <a:gd name="connsiteX3" fmla="*/ 1554480 w 1554480"/>
+              <a:gd name="connsiteY3" fmla="*/ 0 h 18288"/>
+              <a:gd name="connsiteX4" fmla="*/ 1554480 w 1554480"/>
+              <a:gd name="connsiteY4" fmla="*/ 18288 h 18288"/>
+              <a:gd name="connsiteX5" fmla="*/ 1067410 w 1554480"/>
+              <a:gd name="connsiteY5" fmla="*/ 18288 h 18288"/>
+              <a:gd name="connsiteX6" fmla="*/ 549250 w 1554480"/>
+              <a:gd name="connsiteY6" fmla="*/ 18288 h 18288"/>
+              <a:gd name="connsiteX7" fmla="*/ 0 w 1554480"/>
+              <a:gd name="connsiteY7" fmla="*/ 18288 h 18288"/>
+              <a:gd name="connsiteX8" fmla="*/ 0 w 1554480"/>
+              <a:gd name="connsiteY8" fmla="*/ 0 h 18288"/>
+            </a:gdLst>
+            <a:ahLst/>
+            <a:cxnLst>
+              <a:cxn ang="0">
+                <a:pos x="connsiteX0" y="connsiteY0"/>
+              </a:cxn>
+              <a:cxn ang="0">
+                <a:pos x="connsiteX1" y="connsiteY1"/>
+              </a:cxn>
+              <a:cxn ang="0">
+                <a:pos x="connsiteX2" y="connsiteY2"/>
+              </a:cxn>
+              <a:cxn ang="0">
+                <a:pos x="connsiteX3" y="connsiteY3"/>
+              </a:cxn>
+              <a:cxn ang="0">
+                <a:pos x="connsiteX4" y="connsiteY4"/>
+              </a:cxn>
+              <a:cxn ang="0">
+                <a:pos x="connsiteX5" y="connsiteY5"/>
+              </a:cxn>
+              <a:cxn ang="0">
+                <a:pos x="connsiteX6" y="connsiteY6"/>
+              </a:cxn>
+              <a:cxn ang="0">
+                <a:pos x="connsiteX7" y="connsiteY7"/>
+              </a:cxn>
+              <a:cxn ang="0">
+                <a:pos x="connsiteX8" y="connsiteY8"/>
+              </a:cxn>
+            </a:cxnLst>
+            <a:rect l="l" t="t" r="r" b="b"/>
+            <a:pathLst>
+              <a:path w="1554480" h="18288" fill="none" extrusionOk="0">
+                <a:moveTo>
+                  <a:pt x="0" y="0"/>
+                </a:moveTo>
+                <a:cubicBezTo>
+                  <a:pt x="114141" y="-19864"/>
+                  <a:pt x="345055" y="-1657"/>
+                  <a:pt x="549250" y="0"/>
+                </a:cubicBezTo>
+                <a:cubicBezTo>
+                  <a:pt x="753445" y="1657"/>
+                  <a:pt x="862292" y="-5674"/>
+                  <a:pt x="1082954" y="0"/>
+                </a:cubicBezTo>
+                <a:cubicBezTo>
+                  <a:pt x="1303616" y="5674"/>
+                  <a:pt x="1363530" y="4537"/>
+                  <a:pt x="1554480" y="0"/>
+                </a:cubicBezTo>
+                <a:cubicBezTo>
+                  <a:pt x="1554963" y="7176"/>
+                  <a:pt x="1553909" y="13682"/>
+                  <a:pt x="1554480" y="18288"/>
+                </a:cubicBezTo>
+                <a:cubicBezTo>
+                  <a:pt x="1338847" y="6127"/>
+                  <a:pt x="1215066" y="37851"/>
+                  <a:pt x="1067410" y="18288"/>
+                </a:cubicBezTo>
+                <a:cubicBezTo>
+                  <a:pt x="919754" y="-1275"/>
+                  <a:pt x="800465" y="3080"/>
+                  <a:pt x="549250" y="18288"/>
+                </a:cubicBezTo>
+                <a:cubicBezTo>
+                  <a:pt x="298035" y="33496"/>
+                  <a:pt x="158868" y="22769"/>
+                  <a:pt x="0" y="18288"/>
+                </a:cubicBezTo>
+                <a:cubicBezTo>
+                  <a:pt x="-655" y="13237"/>
+                  <a:pt x="709" y="4645"/>
+                  <a:pt x="0" y="0"/>
+                </a:cubicBezTo>
+                <a:close/>
+              </a:path>
+              <a:path w="1554480" h="18288" stroke="0" extrusionOk="0">
+                <a:moveTo>
+                  <a:pt x="0" y="0"/>
+                </a:moveTo>
+                <a:cubicBezTo>
+                  <a:pt x="249941" y="-58"/>
+                  <a:pt x="367334" y="23448"/>
+                  <a:pt x="502615" y="0"/>
+                </a:cubicBezTo>
+                <a:cubicBezTo>
+                  <a:pt x="637897" y="-23448"/>
+                  <a:pt x="813653" y="-20418"/>
+                  <a:pt x="974141" y="0"/>
+                </a:cubicBezTo>
+                <a:cubicBezTo>
+                  <a:pt x="1134629" y="20418"/>
+                  <a:pt x="1268772" y="6288"/>
+                  <a:pt x="1554480" y="0"/>
+                </a:cubicBezTo>
+                <a:cubicBezTo>
+                  <a:pt x="1554917" y="7222"/>
+                  <a:pt x="1555359" y="13299"/>
+                  <a:pt x="1554480" y="18288"/>
+                </a:cubicBezTo>
+                <a:cubicBezTo>
+                  <a:pt x="1336087" y="12172"/>
+                  <a:pt x="1310024" y="19759"/>
+                  <a:pt x="1067410" y="18288"/>
+                </a:cubicBezTo>
+                <a:cubicBezTo>
+                  <a:pt x="824796" y="16818"/>
+                  <a:pt x="787902" y="34647"/>
+                  <a:pt x="518160" y="18288"/>
+                </a:cubicBezTo>
+                <a:cubicBezTo>
+                  <a:pt x="248418" y="1930"/>
+                  <a:pt x="133160" y="9205"/>
+                  <a:pt x="0" y="18288"/>
+                </a:cubicBezTo>
+                <a:cubicBezTo>
+                  <a:pt x="-643" y="9451"/>
+                  <a:pt x="-340" y="7114"/>
+                  <a:pt x="0" y="0"/>
+                </a:cubicBezTo>
+                <a:close/>
+              </a:path>
+            </a:pathLst>
+          </a:custGeom>
+          <a:solidFill>
+            <a:schemeClr val="accent2"/>
+          </a:solidFill>
+          <a:ln w="41275" cap="rnd">
+            <a:solidFill>
+              <a:schemeClr val="accent2"/>
+            </a:solidFill>
+            <a:round/>
+            <a:extLst>
+              <a:ext uri="{C807C97D-BFC1-408E-A445-0C87EB9F89A2}">
+                <ask:lineSketchStyleProps xmlns:ask="http://schemas.microsoft.com/office/drawing/2018/sketchyshapes" sd="1219033472">
+                  <a:prstGeom prst="rect">
+                    <a:avLst/>
+                  </a:prstGeom>
+                  <ask:type>
+                    <ask:lineSketchFreehand/>
+                  </ask:type>
+                </ask:lineSketchStyleProps>
+              </a:ext>
+            </a:extLst>
+          </a:ln>
+        </p:spPr>
+        <p:style>
+          <a:lnRef idx="2">
+            <a:schemeClr val="accent1">
+              <a:shade val="50000"/>
+            </a:schemeClr>
+          </a:lnRef>
+          <a:fillRef idx="1">
+            <a:schemeClr val="accent1"/>
+          </a:fillRef>
+          <a:effectRef idx="0">
+            <a:schemeClr val="accent1"/>
+          </a:effectRef>
+          <a:fontRef idx="minor">
+            <a:schemeClr val="lt1"/>
+          </a:fontRef>
+        </p:style>
+        <p:txBody>
+          <a:bodyPr rtlCol="0" anchor="ctr"/>
+          <a:lstStyle/>
+          <a:p>
+            <a:pPr algn="ctr"/>
+            <a:endParaRPr lang="en-US"/>
           </a:p>
         </p:txBody>
       </p:sp>
@@ -3922,32 +4938,50 @@
         </p:nvSpPr>
         <p:spPr>
           <a:xfrm>
-            <a:off x="164592" y="1825625"/>
-            <a:ext cx="7936992" cy="4351338"/>
+            <a:off x="4654295" y="502920"/>
+            <a:ext cx="6894576" cy="1463040"/>
           </a:xfrm>
         </p:spPr>
         <p:txBody>
-          <a:bodyPr>
-            <a:normAutofit/>
+          <a:bodyPr vert="horz" lIns="91440" tIns="45720" rIns="91440" bIns="45720" rtlCol="0" anchor="ctr">
+            <a:normAutofit fontScale="92500" lnSpcReduction="20000"/>
           </a:bodyPr>
           <a:lstStyle/>
           <a:p>
-            <a:pPr marL="0" indent="0">
-              <a:buNone/>
-            </a:pPr>
-            <a:r>
-              <a:rPr lang="en-US" sz="1400" dirty="0" smtClean="0"/>
-              <a:t>Suppose I uploaded the mp4 file in S3 bucket. As soon as uploading is completed, it triggers a Lambda function. Lambda function will then invoke Elastic Transcoder. Elastic Transcoder converts the mp4 file into different formats so that the file can be opened in </a:t>
-            </a:r>
-            <a:r>
-              <a:rPr lang="en-US" sz="1400" dirty="0" err="1" smtClean="0"/>
+            <a:pPr marL="0"/>
+            <a:r>
+              <a:rPr lang="en-US" sz="1500" dirty="0"/>
+              <a:t>Suppose I uploaded the mp4 file in S3 bucket. As soon as uploading is completed, it triggers a Lambda function. </a:t>
+            </a:r>
+          </a:p>
+          <a:p>
+            <a:pPr marL="0"/>
+            <a:r>
+              <a:rPr lang="en-US" sz="1500" dirty="0"/>
+              <a:t>Lambda function will then invoke Elastic Transcoder. </a:t>
+            </a:r>
+          </a:p>
+          <a:p>
+            <a:pPr marL="0"/>
+            <a:r>
+              <a:rPr lang="en-US" sz="1500" dirty="0"/>
+              <a:t>Elastic Transcoder converts the mp4 file into different formats so that the file can be opened in </a:t>
+            </a:r>
+            <a:r>
+              <a:rPr lang="en-US" sz="1500" dirty="0" err="1"/>
               <a:t>iphone</a:t>
             </a:r>
             <a:r>
-              <a:rPr lang="en-US" sz="1400" dirty="0" smtClean="0"/>
-              <a:t>, Laptop, etc. Once it has completed the transcoding, it stores the transcoded files in S3 bucket.</a:t>
-            </a:r>
-            <a:endParaRPr lang="en-US" sz="1400" dirty="0"/>
+              <a:rPr lang="en-US" sz="1500" dirty="0"/>
+              <a:t>, Laptop, etc. </a:t>
+            </a:r>
+          </a:p>
+          <a:p>
+            <a:pPr marL="0"/>
+            <a:r>
+              <a:rPr lang="en-US" sz="1500" dirty="0"/>
+              <a:t>Once it has completed the transcoding, it stores the transcoded files in S3 bucket.</a:t>
+            </a:r>
           </a:p>
         </p:txBody>
       </p:sp>
@@ -3967,8 +5001,8 @@
         </p:blipFill>
         <p:spPr>
           <a:xfrm>
-            <a:off x="2228850" y="3343528"/>
-            <a:ext cx="7724632" cy="2133727"/>
+            <a:off x="630936" y="2769396"/>
+            <a:ext cx="10917936" cy="3002431"/>
           </a:xfrm>
           <a:prstGeom prst="rect">
             <a:avLst/>

--- a/lecture-materials/MediaServices/ElasticTranscoder/aws_elastic_transcoder.pptx
+++ b/lecture-materials/MediaServices/ElasticTranscoder/aws_elastic_transcoder.pptx
@@ -199,7 +199,7 @@
           <a:p>
             <a:fld id="{B710C20D-0C85-4F3D-901F-565C0DF66CA1}" type="datetimeFigureOut">
               <a:rPr lang="en-US" smtClean="0"/>
-              <a:t>2/19/24</a:t>
+              <a:t>2/21/24</a:t>
             </a:fld>
             <a:endParaRPr lang="en-US"/>
           </a:p>
@@ -850,7 +850,7 @@
           <a:p>
             <a:fld id="{C1756DA4-3C7C-40AD-B908-0A330D85F69F}" type="datetimeFigureOut">
               <a:rPr lang="en-US" smtClean="0"/>
-              <a:t>2/19/24</a:t>
+              <a:t>2/21/24</a:t>
             </a:fld>
             <a:endParaRPr lang="en-US"/>
           </a:p>
@@ -1020,7 +1020,7 @@
           <a:p>
             <a:fld id="{C1756DA4-3C7C-40AD-B908-0A330D85F69F}" type="datetimeFigureOut">
               <a:rPr lang="en-US" smtClean="0"/>
-              <a:t>2/19/24</a:t>
+              <a:t>2/21/24</a:t>
             </a:fld>
             <a:endParaRPr lang="en-US"/>
           </a:p>
@@ -1200,7 +1200,7 @@
           <a:p>
             <a:fld id="{C1756DA4-3C7C-40AD-B908-0A330D85F69F}" type="datetimeFigureOut">
               <a:rPr lang="en-US" smtClean="0"/>
-              <a:t>2/19/24</a:t>
+              <a:t>2/21/24</a:t>
             </a:fld>
             <a:endParaRPr lang="en-US"/>
           </a:p>
@@ -1370,7 +1370,7 @@
           <a:p>
             <a:fld id="{C1756DA4-3C7C-40AD-B908-0A330D85F69F}" type="datetimeFigureOut">
               <a:rPr lang="en-US" smtClean="0"/>
-              <a:t>2/19/24</a:t>
+              <a:t>2/21/24</a:t>
             </a:fld>
             <a:endParaRPr lang="en-US"/>
           </a:p>
@@ -1616,7 +1616,7 @@
           <a:p>
             <a:fld id="{C1756DA4-3C7C-40AD-B908-0A330D85F69F}" type="datetimeFigureOut">
               <a:rPr lang="en-US" smtClean="0"/>
-              <a:t>2/19/24</a:t>
+              <a:t>2/21/24</a:t>
             </a:fld>
             <a:endParaRPr lang="en-US"/>
           </a:p>
@@ -1848,7 +1848,7 @@
           <a:p>
             <a:fld id="{C1756DA4-3C7C-40AD-B908-0A330D85F69F}" type="datetimeFigureOut">
               <a:rPr lang="en-US" smtClean="0"/>
-              <a:t>2/19/24</a:t>
+              <a:t>2/21/24</a:t>
             </a:fld>
             <a:endParaRPr lang="en-US"/>
           </a:p>
@@ -2215,7 +2215,7 @@
           <a:p>
             <a:fld id="{C1756DA4-3C7C-40AD-B908-0A330D85F69F}" type="datetimeFigureOut">
               <a:rPr lang="en-US" smtClean="0"/>
-              <a:t>2/19/24</a:t>
+              <a:t>2/21/24</a:t>
             </a:fld>
             <a:endParaRPr lang="en-US"/>
           </a:p>
@@ -2333,7 +2333,7 @@
           <a:p>
             <a:fld id="{C1756DA4-3C7C-40AD-B908-0A330D85F69F}" type="datetimeFigureOut">
               <a:rPr lang="en-US" smtClean="0"/>
-              <a:t>2/19/24</a:t>
+              <a:t>2/21/24</a:t>
             </a:fld>
             <a:endParaRPr lang="en-US"/>
           </a:p>
@@ -2428,7 +2428,7 @@
           <a:p>
             <a:fld id="{C1756DA4-3C7C-40AD-B908-0A330D85F69F}" type="datetimeFigureOut">
               <a:rPr lang="en-US" smtClean="0"/>
-              <a:t>2/19/24</a:t>
+              <a:t>2/21/24</a:t>
             </a:fld>
             <a:endParaRPr lang="en-US"/>
           </a:p>
@@ -2705,7 +2705,7 @@
           <a:p>
             <a:fld id="{C1756DA4-3C7C-40AD-B908-0A330D85F69F}" type="datetimeFigureOut">
               <a:rPr lang="en-US" smtClean="0"/>
-              <a:t>2/19/24</a:t>
+              <a:t>2/21/24</a:t>
             </a:fld>
             <a:endParaRPr lang="en-US"/>
           </a:p>
@@ -2958,7 +2958,7 @@
           <a:p>
             <a:fld id="{C1756DA4-3C7C-40AD-B908-0A330D85F69F}" type="datetimeFigureOut">
               <a:rPr lang="en-US" smtClean="0"/>
-              <a:t>2/19/24</a:t>
+              <a:t>2/21/24</a:t>
             </a:fld>
             <a:endParaRPr lang="en-US"/>
           </a:p>
@@ -3171,7 +3171,7 @@
           <a:p>
             <a:fld id="{C1756DA4-3C7C-40AD-B908-0A330D85F69F}" type="datetimeFigureOut">
               <a:rPr lang="en-US" smtClean="0"/>
-              <a:t>2/19/24</a:t>
+              <a:t>2/21/24</a:t>
             </a:fld>
             <a:endParaRPr lang="en-US"/>
           </a:p>
@@ -3965,8 +3965,8 @@
         </p:nvSpPr>
         <p:spPr>
           <a:xfrm>
-            <a:off x="630936" y="2660904"/>
-            <a:ext cx="4818888" cy="3547872"/>
+            <a:off x="630936" y="2663387"/>
+            <a:ext cx="5557918" cy="3547872"/>
           </a:xfrm>
         </p:spPr>
         <p:txBody>
@@ -3977,25 +3977,29 @@
           <a:p>
             <a:pPr marL="0"/>
             <a:r>
-              <a:rPr lang="en-US" sz="1700" b="1"/>
+              <a:rPr lang="en-US" sz="1700" b="1" dirty="0"/>
               <a:t>Amazon Elastic Transcoder </a:t>
             </a:r>
             <a:r>
-              <a:rPr lang="en-US" sz="1700"/>
-              <a:t>is a highly scalable, easy to use and cost-effective way for developers and businesses to convert (or “transcode”) video and audio files from their source format into versions that will playback on devices like smartphones, tablets and PCs.</a:t>
+              <a:rPr lang="en-US" sz="1700" dirty="0"/>
+              <a:t>is a highly scalable, easy to use and cost-effective way for developers and businesses to </a:t>
+            </a:r>
+            <a:r>
+              <a:rPr lang="en-US" sz="1700" b="1" dirty="0"/>
+              <a:t>convert (or “transcode”) video and audio files from their source format into versions that will playback on devices like smartphones, tablets and PCs.</a:t>
             </a:r>
           </a:p>
           <a:p>
             <a:pPr marL="0"/>
             <a:r>
-              <a:rPr lang="en-US" sz="1700"/>
+              <a:rPr lang="en-US" sz="1700" dirty="0"/>
               <a:t>Supports a wide range of input and output formats, resolutions, bitrates, and frame rates.</a:t>
             </a:r>
           </a:p>
           <a:p>
             <a:pPr marL="0"/>
             <a:r>
-              <a:rPr lang="en-US" sz="1700"/>
+              <a:rPr lang="en-US" sz="1700" dirty="0"/>
               <a:t>Also offers features for automatic video bit rate optimization, generation of thumbnails, overlay of visual watermarks, caption support, DRM packaging, progressive downloads, encryption and more.</a:t>
             </a:r>
           </a:p>
@@ -4017,8 +4021,8 @@
         </p:blipFill>
         <p:spPr>
           <a:xfrm>
-            <a:off x="6099048" y="2316735"/>
-            <a:ext cx="5458968" cy="2224529"/>
+            <a:off x="7036640" y="2585148"/>
+            <a:ext cx="4800285" cy="1956116"/>
           </a:xfrm>
           <a:prstGeom prst="rect">
             <a:avLst/>
